--- a/硕士开题2024_12_27/庾小齐-开题答辩.pptx
+++ b/硕士开题2024_12_27/庾小齐-开题答辩.pptx
@@ -235,7 +235,7 @@
           <a:p>
             <a:fld id="{D2A48B96-639E-45A3-A0BA-2464DFDB1FAA}" type="datetimeFigureOut">
               <a:rPr lang="zh-CN" altLang="en-US" smtClean="0"/>
-              <a:t>2025/1/10</a:t>
+              <a:t>2025/1/11</a:t>
             </a:fld>
             <a:endParaRPr lang="zh-CN" altLang="en-US"/>
           </a:p>
@@ -14333,8 +14333,8 @@
         </p:nvSpPr>
         <p:spPr>
           <a:xfrm>
-            <a:off x="35496" y="2837812"/>
-            <a:ext cx="8984957" cy="2110202"/>
+            <a:off x="35496" y="2933849"/>
+            <a:ext cx="8984957" cy="1908468"/>
           </a:xfrm>
           <a:prstGeom prst="rect">
             <a:avLst/>
@@ -18566,8 +18566,8 @@
         </p:blipFill>
         <p:spPr>
           <a:xfrm>
-            <a:off x="489382" y="2619451"/>
-            <a:ext cx="2256496" cy="1865370"/>
+            <a:off x="551269" y="2639992"/>
+            <a:ext cx="2231648" cy="1844829"/>
           </a:xfrm>
           <a:prstGeom prst="rect">
             <a:avLst/>
@@ -18596,8 +18596,8 @@
         </p:blipFill>
         <p:spPr>
           <a:xfrm>
-            <a:off x="2963084" y="2571750"/>
-            <a:ext cx="2291357" cy="1972827"/>
+            <a:off x="3059832" y="2655049"/>
+            <a:ext cx="2194609" cy="1889528"/>
           </a:xfrm>
           <a:prstGeom prst="rect">
             <a:avLst/>
@@ -18618,8 +18618,8 @@
         </p:nvSpPr>
         <p:spPr>
           <a:xfrm>
-            <a:off x="46285" y="1008286"/>
-            <a:ext cx="5544616" cy="3536291"/>
+            <a:off x="46285" y="976542"/>
+            <a:ext cx="5544616" cy="3568035"/>
           </a:xfrm>
           <a:prstGeom prst="roundRect">
             <a:avLst/>
